--- a/CSCE658-S24/L13.pptx
+++ b/CSCE658-S24/L13.pptx
@@ -133,13 +133,18 @@
       </a:defRPr>
     </a:lvl9pPr>
   </p:defaultTextStyle>
+  <p:extLst>
+    <p:ext uri="{EFAFB233-063F-42B5-8137-9DF3F51BA10A}">
+      <p15:sldGuideLst xmlns:p15="http://schemas.microsoft.com/office/powerpoint/2012/main"/>
+    </p:ext>
+  </p:extLst>
 </p:presentation>
 </file>
 
 <file path=ppt/revisionInfo.xml><?xml version="1.0" encoding="utf-8"?>
 <p1510:revInfo xmlns:a="http://schemas.openxmlformats.org/drawingml/2006/main" xmlns:r="http://schemas.openxmlformats.org/officeDocument/2006/relationships" xmlns:p1510="http://schemas.microsoft.com/office/powerpoint/2015/10/main">
   <p1510:revLst>
-    <p1510:client id="{3D6DA0C7-1C0D-45F2-BB60-1C307428021E}" v="4221" dt="2024-02-23T13:26:19.546"/>
+    <p1510:client id="{3D6DA0C7-1C0D-45F2-BB60-1C307428021E}" v="4232" dt="2024-02-24T03:07:13.521"/>
   </p1510:revLst>
 </p1510:revInfo>
 </file>
@@ -149,7 +154,7 @@
   <pc:docChgLst>
     <pc:chgData name="Samson Zhou" userId="be955f33642ecbf5" providerId="LiveId" clId="{3D6DA0C7-1C0D-45F2-BB60-1C307428021E}"/>
     <pc:docChg chg="undo custSel addSld delSld modSld">
-      <pc:chgData name="Samson Zhou" userId="be955f33642ecbf5" providerId="LiveId" clId="{3D6DA0C7-1C0D-45F2-BB60-1C307428021E}" dt="2024-02-23T13:26:19.546" v="6668" actId="20577"/>
+      <pc:chgData name="Samson Zhou" userId="be955f33642ecbf5" providerId="LiveId" clId="{3D6DA0C7-1C0D-45F2-BB60-1C307428021E}" dt="2024-02-24T03:07:13.521" v="6721" actId="20577"/>
       <pc:docMkLst>
         <pc:docMk/>
       </pc:docMkLst>
@@ -199,7 +204,7 @@
         </pc:spChg>
       </pc:sldChg>
       <pc:sldChg chg="addSp modSp add mod">
-        <pc:chgData name="Samson Zhou" userId="be955f33642ecbf5" providerId="LiveId" clId="{3D6DA0C7-1C0D-45F2-BB60-1C307428021E}" dt="2024-02-23T11:04:12.039" v="297" actId="20577"/>
+        <pc:chgData name="Samson Zhou" userId="be955f33642ecbf5" providerId="LiveId" clId="{3D6DA0C7-1C0D-45F2-BB60-1C307428021E}" dt="2024-02-24T03:07:13.521" v="6721" actId="20577"/>
         <pc:sldMkLst>
           <pc:docMk/>
           <pc:sldMk cId="2513522832" sldId="994"/>
@@ -213,7 +218,7 @@
           </ac:spMkLst>
         </pc:spChg>
         <pc:spChg chg="mod">
-          <ac:chgData name="Samson Zhou" userId="be955f33642ecbf5" providerId="LiveId" clId="{3D6DA0C7-1C0D-45F2-BB60-1C307428021E}" dt="2024-02-23T11:04:12.039" v="297" actId="20577"/>
+          <ac:chgData name="Samson Zhou" userId="be955f33642ecbf5" providerId="LiveId" clId="{3D6DA0C7-1C0D-45F2-BB60-1C307428021E}" dt="2024-02-24T03:07:13.521" v="6721" actId="20577"/>
           <ac:spMkLst>
             <pc:docMk/>
             <pc:sldMk cId="2513522832" sldId="994"/>
@@ -221,7 +226,7 @@
           </ac:spMkLst>
         </pc:spChg>
         <pc:spChg chg="add mod">
-          <ac:chgData name="Samson Zhou" userId="be955f33642ecbf5" providerId="LiveId" clId="{3D6DA0C7-1C0D-45F2-BB60-1C307428021E}" dt="2024-02-23T11:04:10.078" v="296" actId="1076"/>
+          <ac:chgData name="Samson Zhou" userId="be955f33642ecbf5" providerId="LiveId" clId="{3D6DA0C7-1C0D-45F2-BB60-1C307428021E}" dt="2024-02-24T03:06:56.380" v="6671" actId="1076"/>
           <ac:spMkLst>
             <pc:docMk/>
             <pc:sldMk cId="2513522832" sldId="994"/>
@@ -461,7 +466,7 @@
         </pc:spChg>
       </pc:sldChg>
       <pc:sldChg chg="addSp delSp modSp add mod">
-        <pc:chgData name="Samson Zhou" userId="be955f33642ecbf5" providerId="LiveId" clId="{3D6DA0C7-1C0D-45F2-BB60-1C307428021E}" dt="2024-02-23T12:18:44.596" v="2706" actId="20577"/>
+        <pc:chgData name="Samson Zhou" userId="be955f33642ecbf5" providerId="LiveId" clId="{3D6DA0C7-1C0D-45F2-BB60-1C307428021E}" dt="2024-02-24T03:04:25.559" v="6669" actId="6549"/>
         <pc:sldMkLst>
           <pc:docMk/>
           <pc:sldMk cId="366973223" sldId="1084"/>
@@ -475,7 +480,7 @@
           </ac:spMkLst>
         </pc:spChg>
         <pc:spChg chg="mod">
-          <ac:chgData name="Samson Zhou" userId="be955f33642ecbf5" providerId="LiveId" clId="{3D6DA0C7-1C0D-45F2-BB60-1C307428021E}" dt="2024-02-23T12:18:44.596" v="2706" actId="20577"/>
+          <ac:chgData name="Samson Zhou" userId="be955f33642ecbf5" providerId="LiveId" clId="{3D6DA0C7-1C0D-45F2-BB60-1C307428021E}" dt="2024-02-24T03:04:25.559" v="6669" actId="6549"/>
           <ac:spMkLst>
             <pc:docMk/>
             <pc:sldMk cId="366973223" sldId="1084"/>
@@ -4599,8 +4604,8 @@
           </a:p>
         </p:txBody>
       </p:sp>
-      <mc:AlternateContent xmlns:mc="http://schemas.openxmlformats.org/markup-compatibility/2006">
-        <mc:Choice xmlns:a14="http://schemas.microsoft.com/office/drawing/2010/main" Requires="a14">
+      <mc:AlternateContent xmlns:mc="http://schemas.openxmlformats.org/markup-compatibility/2006" xmlns:a14="http://schemas.microsoft.com/office/drawing/2010/main">
+        <mc:Choice Requires="a14">
           <p:sp>
             <p:nvSpPr>
               <p:cNvPr id="3" name="Content Placeholder 2">
@@ -5338,7 +5343,7 @@
             </p:txBody>
           </p:sp>
         </mc:Choice>
-        <mc:Fallback>
+        <mc:Fallback xmlns="">
           <p:sp>
             <p:nvSpPr>
               <p:cNvPr id="3" name="Content Placeholder 2">
@@ -5455,8 +5460,8 @@
           </a:p>
         </p:txBody>
       </p:sp>
-      <mc:AlternateContent xmlns:mc="http://schemas.openxmlformats.org/markup-compatibility/2006">
-        <mc:Choice xmlns:a14="http://schemas.microsoft.com/office/drawing/2010/main" Requires="a14">
+      <mc:AlternateContent xmlns:mc="http://schemas.openxmlformats.org/markup-compatibility/2006" xmlns:a14="http://schemas.microsoft.com/office/drawing/2010/main">
+        <mc:Choice Requires="a14">
           <p:sp>
             <p:nvSpPr>
               <p:cNvPr id="3" name="Content Placeholder 2">
@@ -6323,7 +6328,7 @@
             </p:txBody>
           </p:sp>
         </mc:Choice>
-        <mc:Fallback>
+        <mc:Fallback xmlns="">
           <p:sp>
             <p:nvSpPr>
               <p:cNvPr id="3" name="Content Placeholder 2">
@@ -6440,8 +6445,8 @@
           </a:p>
         </p:txBody>
       </p:sp>
-      <mc:AlternateContent xmlns:mc="http://schemas.openxmlformats.org/markup-compatibility/2006">
-        <mc:Choice xmlns:a14="http://schemas.microsoft.com/office/drawing/2010/main" Requires="a14">
+      <mc:AlternateContent xmlns:mc="http://schemas.openxmlformats.org/markup-compatibility/2006" xmlns:a14="http://schemas.microsoft.com/office/drawing/2010/main">
+        <mc:Choice Requires="a14">
           <p:sp>
             <p:nvSpPr>
               <p:cNvPr id="3" name="Content Placeholder 2">
@@ -7363,7 +7368,7 @@
             </p:txBody>
           </p:sp>
         </mc:Choice>
-        <mc:Fallback>
+        <mc:Fallback xmlns="">
           <p:sp>
             <p:nvSpPr>
               <p:cNvPr id="3" name="Content Placeholder 2">
@@ -7480,8 +7485,8 @@
           </a:p>
         </p:txBody>
       </p:sp>
-      <mc:AlternateContent xmlns:mc="http://schemas.openxmlformats.org/markup-compatibility/2006">
-        <mc:Choice xmlns:a14="http://schemas.microsoft.com/office/drawing/2010/main" Requires="a14">
+      <mc:AlternateContent xmlns:mc="http://schemas.openxmlformats.org/markup-compatibility/2006" xmlns:a14="http://schemas.microsoft.com/office/drawing/2010/main">
+        <mc:Choice Requires="a14">
           <p:sp>
             <p:nvSpPr>
               <p:cNvPr id="3" name="Content Placeholder 2">
@@ -7803,16 +7808,7 @@
                             </a:solidFill>
                             <a:latin typeface="Cambria Math" panose="02040503050406030204" pitchFamily="18" charset="0"/>
                           </a:rPr>
-                          <m:t>,</m:t>
-                        </m:r>
-                        <m:r>
-                          <a:rPr lang="en-US" sz="3200" b="0" i="1" smtClean="0">
-                            <a:solidFill>
-                              <a:srgbClr val="C00000"/>
-                            </a:solidFill>
-                            <a:latin typeface="Cambria Math" panose="02040503050406030204" pitchFamily="18" charset="0"/>
-                          </a:rPr>
-                          <m:t>…</m:t>
+                          <m:t>,…</m:t>
                         </m:r>
                         <m:sSub>
                           <m:sSubPr>
@@ -8313,7 +8309,7 @@
             </p:txBody>
           </p:sp>
         </mc:Choice>
-        <mc:Fallback>
+        <mc:Fallback xmlns="">
           <p:sp>
             <p:nvSpPr>
               <p:cNvPr id="3" name="Content Placeholder 2">
@@ -8357,8 +8353,8 @@
           </p:sp>
         </mc:Fallback>
       </mc:AlternateContent>
-      <mc:AlternateContent xmlns:mc="http://schemas.openxmlformats.org/markup-compatibility/2006">
-        <mc:Choice xmlns:a14="http://schemas.microsoft.com/office/drawing/2010/main" Requires="a14">
+      <mc:AlternateContent xmlns:mc="http://schemas.openxmlformats.org/markup-compatibility/2006" xmlns:a14="http://schemas.microsoft.com/office/drawing/2010/main">
+        <mc:Choice Requires="a14">
           <p:sp>
             <p:nvSpPr>
               <p:cNvPr id="5" name="TextBox 4">
@@ -8628,7 +8624,7 @@
             </p:txBody>
           </p:sp>
         </mc:Choice>
-        <mc:Fallback>
+        <mc:Fallback xmlns="">
           <p:sp>
             <p:nvSpPr>
               <p:cNvPr id="5" name="TextBox 4">
@@ -8708,8 +8704,8 @@
           </a:p>
         </p:txBody>
       </p:sp>
-      <mc:AlternateContent xmlns:mc="http://schemas.openxmlformats.org/markup-compatibility/2006">
-        <mc:Choice xmlns:a14="http://schemas.microsoft.com/office/drawing/2010/main" Requires="a14">
+      <mc:AlternateContent xmlns:mc="http://schemas.openxmlformats.org/markup-compatibility/2006" xmlns:a14="http://schemas.microsoft.com/office/drawing/2010/main">
+        <mc:Choice Requires="a14">
           <p:sp>
             <p:nvSpPr>
               <p:cNvPr id="8" name="TextBox 7">
@@ -8893,7 +8889,7 @@
             </p:txBody>
           </p:sp>
         </mc:Choice>
-        <mc:Fallback>
+        <mc:Fallback xmlns="">
           <p:sp>
             <p:nvSpPr>
               <p:cNvPr id="8" name="TextBox 7">
@@ -9011,8 +9007,8 @@
           </a:p>
         </p:txBody>
       </p:sp>
-      <mc:AlternateContent xmlns:mc="http://schemas.openxmlformats.org/markup-compatibility/2006">
-        <mc:Choice xmlns:a14="http://schemas.microsoft.com/office/drawing/2010/main" Requires="a14">
+      <mc:AlternateContent xmlns:mc="http://schemas.openxmlformats.org/markup-compatibility/2006" xmlns:a14="http://schemas.microsoft.com/office/drawing/2010/main">
+        <mc:Choice Requires="a14">
           <p:sp>
             <p:nvSpPr>
               <p:cNvPr id="3" name="Content Placeholder 2">
@@ -9171,7 +9167,7 @@
             </p:txBody>
           </p:sp>
         </mc:Choice>
-        <mc:Fallback>
+        <mc:Fallback xmlns="">
           <p:sp>
             <p:nvSpPr>
               <p:cNvPr id="3" name="Content Placeholder 2">
@@ -9288,8 +9284,8 @@
           </a:p>
         </p:txBody>
       </p:sp>
-      <mc:AlternateContent xmlns:mc="http://schemas.openxmlformats.org/markup-compatibility/2006">
-        <mc:Choice xmlns:a14="http://schemas.microsoft.com/office/drawing/2010/main" Requires="a14">
+      <mc:AlternateContent xmlns:mc="http://schemas.openxmlformats.org/markup-compatibility/2006" xmlns:a14="http://schemas.microsoft.com/office/drawing/2010/main">
+        <mc:Choice Requires="a14">
           <p:sp>
             <p:nvSpPr>
               <p:cNvPr id="3" name="Content Placeholder 2">
@@ -9515,7 +9511,7 @@
             </p:txBody>
           </p:sp>
         </mc:Choice>
-        <mc:Fallback>
+        <mc:Fallback xmlns="">
           <p:sp>
             <p:nvSpPr>
               <p:cNvPr id="3" name="Content Placeholder 2">
@@ -9559,8 +9555,8 @@
           </p:sp>
         </mc:Fallback>
       </mc:AlternateContent>
-      <mc:AlternateContent xmlns:mc="http://schemas.openxmlformats.org/markup-compatibility/2006">
-        <mc:Choice xmlns:a14="http://schemas.microsoft.com/office/drawing/2010/main" Requires="a14">
+      <mc:AlternateContent xmlns:mc="http://schemas.openxmlformats.org/markup-compatibility/2006" xmlns:a14="http://schemas.microsoft.com/office/drawing/2010/main">
+        <mc:Choice Requires="a14">
           <p:sp>
             <p:nvSpPr>
               <p:cNvPr id="6" name="TextBox 5">
@@ -9717,7 +9713,7 @@
             </p:txBody>
           </p:sp>
         </mc:Choice>
-        <mc:Fallback>
+        <mc:Fallback xmlns="">
           <p:sp>
             <p:nvSpPr>
               <p:cNvPr id="6" name="TextBox 5">
@@ -9762,8 +9758,8 @@
           </p:sp>
         </mc:Fallback>
       </mc:AlternateContent>
-      <mc:AlternateContent xmlns:mc="http://schemas.openxmlformats.org/markup-compatibility/2006">
-        <mc:Choice xmlns:a14="http://schemas.microsoft.com/office/drawing/2010/main" Requires="a14">
+      <mc:AlternateContent xmlns:mc="http://schemas.openxmlformats.org/markup-compatibility/2006" xmlns:a14="http://schemas.microsoft.com/office/drawing/2010/main">
+        <mc:Choice Requires="a14">
           <p:sp>
             <p:nvSpPr>
               <p:cNvPr id="4" name="TextBox 3">
@@ -9913,7 +9909,7 @@
             </p:txBody>
           </p:sp>
         </mc:Choice>
-        <mc:Fallback>
+        <mc:Fallback xmlns="">
           <p:sp>
             <p:nvSpPr>
               <p:cNvPr id="4" name="TextBox 3">
@@ -10031,8 +10027,8 @@
           </a:p>
         </p:txBody>
       </p:sp>
-      <mc:AlternateContent xmlns:mc="http://schemas.openxmlformats.org/markup-compatibility/2006">
-        <mc:Choice xmlns:a14="http://schemas.microsoft.com/office/drawing/2010/main" Requires="a14">
+      <mc:AlternateContent xmlns:mc="http://schemas.openxmlformats.org/markup-compatibility/2006" xmlns:a14="http://schemas.microsoft.com/office/drawing/2010/main">
+        <mc:Choice Requires="a14">
           <p:sp>
             <p:nvSpPr>
               <p:cNvPr id="3" name="Content Placeholder 2">
@@ -10644,16 +10640,7 @@
                         </a:solidFill>
                         <a:latin typeface="Cambria Math" panose="02040503050406030204" pitchFamily="18" charset="0"/>
                       </a:rPr>
-                      <m:t>=</m:t>
-                    </m:r>
-                    <m:r>
-                      <a:rPr lang="en-US" sz="3200" b="0" i="1" smtClean="0">
-                        <a:solidFill>
-                          <a:srgbClr val="C00000"/>
-                        </a:solidFill>
-                        <a:latin typeface="Cambria Math" panose="02040503050406030204" pitchFamily="18" charset="0"/>
-                      </a:rPr>
-                      <m:t>0</m:t>
+                      <m:t>=0</m:t>
                     </m:r>
                   </m:oMath>
                 </a14:m>
@@ -10857,7 +10844,7 @@
             </p:txBody>
           </p:sp>
         </mc:Choice>
-        <mc:Fallback>
+        <mc:Fallback xmlns="">
           <p:sp>
             <p:nvSpPr>
               <p:cNvPr id="3" name="Content Placeholder 2">
@@ -10901,8 +10888,8 @@
           </p:sp>
         </mc:Fallback>
       </mc:AlternateContent>
-      <mc:AlternateContent xmlns:mc="http://schemas.openxmlformats.org/markup-compatibility/2006">
-        <mc:Choice xmlns:a14="http://schemas.microsoft.com/office/drawing/2010/main" Requires="a14">
+      <mc:AlternateContent xmlns:mc="http://schemas.openxmlformats.org/markup-compatibility/2006" xmlns:a14="http://schemas.microsoft.com/office/drawing/2010/main">
+        <mc:Choice Requires="a14">
           <p:sp>
             <p:nvSpPr>
               <p:cNvPr id="6" name="TextBox 5">
@@ -11059,7 +11046,7 @@
             </p:txBody>
           </p:sp>
         </mc:Choice>
-        <mc:Fallback>
+        <mc:Fallback xmlns="">
           <p:sp>
             <p:nvSpPr>
               <p:cNvPr id="6" name="TextBox 5">
@@ -11104,8 +11091,8 @@
           </p:sp>
         </mc:Fallback>
       </mc:AlternateContent>
-      <mc:AlternateContent xmlns:mc="http://schemas.openxmlformats.org/markup-compatibility/2006">
-        <mc:Choice xmlns:a14="http://schemas.microsoft.com/office/drawing/2010/main" Requires="a14">
+      <mc:AlternateContent xmlns:mc="http://schemas.openxmlformats.org/markup-compatibility/2006" xmlns:a14="http://schemas.microsoft.com/office/drawing/2010/main">
+        <mc:Choice Requires="a14">
           <p:sp>
             <p:nvSpPr>
               <p:cNvPr id="10" name="TextBox 9">
@@ -11475,7 +11462,7 @@
             </p:txBody>
           </p:sp>
         </mc:Choice>
-        <mc:Fallback>
+        <mc:Fallback xmlns="">
           <p:sp>
             <p:nvSpPr>
               <p:cNvPr id="10" name="TextBox 9">
@@ -11593,8 +11580,8 @@
           </a:p>
         </p:txBody>
       </p:sp>
-      <mc:AlternateContent xmlns:mc="http://schemas.openxmlformats.org/markup-compatibility/2006">
-        <mc:Choice xmlns:a14="http://schemas.microsoft.com/office/drawing/2010/main" Requires="a14">
+      <mc:AlternateContent xmlns:mc="http://schemas.openxmlformats.org/markup-compatibility/2006" xmlns:a14="http://schemas.microsoft.com/office/drawing/2010/main">
+        <mc:Choice Requires="a14">
           <p:sp>
             <p:nvSpPr>
               <p:cNvPr id="3" name="Content Placeholder 2">
@@ -11909,7 +11896,7 @@
             </p:txBody>
           </p:sp>
         </mc:Choice>
-        <mc:Fallback>
+        <mc:Fallback xmlns="">
           <p:sp>
             <p:nvSpPr>
               <p:cNvPr id="3" name="Content Placeholder 2">
@@ -11953,8 +11940,8 @@
           </p:sp>
         </mc:Fallback>
       </mc:AlternateContent>
-      <mc:AlternateContent xmlns:mc="http://schemas.openxmlformats.org/markup-compatibility/2006">
-        <mc:Choice xmlns:a14="http://schemas.microsoft.com/office/drawing/2010/main" Requires="a14">
+      <mc:AlternateContent xmlns:mc="http://schemas.openxmlformats.org/markup-compatibility/2006" xmlns:a14="http://schemas.microsoft.com/office/drawing/2010/main">
+        <mc:Choice Requires="a14">
           <p:sp>
             <p:nvSpPr>
               <p:cNvPr id="6" name="TextBox 5">
@@ -12154,7 +12141,7 @@
                       <m:sSub>
                         <m:sSubPr>
                           <m:ctrlPr>
-                            <a:rPr lang="en-US" sz="3200" b="0" i="0" smtClean="0">
+                            <a:rPr lang="en-US" sz="3200" b="0" i="1" smtClean="0">
                               <a:solidFill>
                                 <a:srgbClr val="C00000"/>
                               </a:solidFill>
@@ -12232,7 +12219,7 @@
             </p:txBody>
           </p:sp>
         </mc:Choice>
-        <mc:Fallback>
+        <mc:Fallback xmlns="">
           <p:sp>
             <p:nvSpPr>
               <p:cNvPr id="6" name="TextBox 5">
@@ -12350,8 +12337,8 @@
           </a:p>
         </p:txBody>
       </p:sp>
-      <mc:AlternateContent xmlns:mc="http://schemas.openxmlformats.org/markup-compatibility/2006">
-        <mc:Choice xmlns:a14="http://schemas.microsoft.com/office/drawing/2010/main" Requires="a14">
+      <mc:AlternateContent xmlns:mc="http://schemas.openxmlformats.org/markup-compatibility/2006" xmlns:a14="http://schemas.microsoft.com/office/drawing/2010/main">
+        <mc:Choice Requires="a14">
           <p:sp>
             <p:nvSpPr>
               <p:cNvPr id="3" name="Content Placeholder 2">
@@ -13164,7 +13151,7 @@
             </p:txBody>
           </p:sp>
         </mc:Choice>
-        <mc:Fallback>
+        <mc:Fallback xmlns="">
           <p:sp>
             <p:nvSpPr>
               <p:cNvPr id="3" name="Content Placeholder 2">
@@ -13208,8 +13195,8 @@
           </p:sp>
         </mc:Fallback>
       </mc:AlternateContent>
-      <mc:AlternateContent xmlns:mc="http://schemas.openxmlformats.org/markup-compatibility/2006">
-        <mc:Choice xmlns:a14="http://schemas.microsoft.com/office/drawing/2010/main" Requires="a14">
+      <mc:AlternateContent xmlns:mc="http://schemas.openxmlformats.org/markup-compatibility/2006" xmlns:a14="http://schemas.microsoft.com/office/drawing/2010/main">
+        <mc:Choice Requires="a14">
           <p:sp>
             <p:nvSpPr>
               <p:cNvPr id="6" name="TextBox 5">
@@ -13409,7 +13396,7 @@
                       <m:sSub>
                         <m:sSubPr>
                           <m:ctrlPr>
-                            <a:rPr lang="en-US" sz="3200" b="0" i="0" smtClean="0">
+                            <a:rPr lang="en-US" sz="3200" b="0" i="1" smtClean="0">
                               <a:solidFill>
                                 <a:srgbClr val="C00000"/>
                               </a:solidFill>
@@ -13487,7 +13474,7 @@
             </p:txBody>
           </p:sp>
         </mc:Choice>
-        <mc:Fallback>
+        <mc:Fallback xmlns="">
           <p:sp>
             <p:nvSpPr>
               <p:cNvPr id="6" name="TextBox 5">
@@ -13605,8 +13592,8 @@
           </a:p>
         </p:txBody>
       </p:sp>
-      <mc:AlternateContent xmlns:mc="http://schemas.openxmlformats.org/markup-compatibility/2006">
-        <mc:Choice xmlns:a14="http://schemas.microsoft.com/office/drawing/2010/main" Requires="a14">
+      <mc:AlternateContent xmlns:mc="http://schemas.openxmlformats.org/markup-compatibility/2006" xmlns:a14="http://schemas.microsoft.com/office/drawing/2010/main">
+        <mc:Choice Requires="a14">
           <p:sp>
             <p:nvSpPr>
               <p:cNvPr id="3" name="Content Placeholder 2">
@@ -14051,7 +14038,7 @@
             </p:txBody>
           </p:sp>
         </mc:Choice>
-        <mc:Fallback>
+        <mc:Fallback xmlns="">
           <p:sp>
             <p:nvSpPr>
               <p:cNvPr id="3" name="Content Placeholder 2">
@@ -14095,8 +14082,8 @@
           </p:sp>
         </mc:Fallback>
       </mc:AlternateContent>
-      <mc:AlternateContent xmlns:mc="http://schemas.openxmlformats.org/markup-compatibility/2006">
-        <mc:Choice xmlns:a14="http://schemas.microsoft.com/office/drawing/2010/main" Requires="a14">
+      <mc:AlternateContent xmlns:mc="http://schemas.openxmlformats.org/markup-compatibility/2006" xmlns:a14="http://schemas.microsoft.com/office/drawing/2010/main">
+        <mc:Choice Requires="a14">
           <p:sp>
             <p:nvSpPr>
               <p:cNvPr id="6" name="TextBox 5">
@@ -14316,7 +14303,7 @@
                       <m:sSub>
                         <m:sSubPr>
                           <m:ctrlPr>
-                            <a:rPr lang="en-US" sz="3200" b="0" i="0" smtClean="0">
+                            <a:rPr lang="en-US" sz="3200" b="0" i="1" smtClean="0">
                               <a:solidFill>
                                 <a:srgbClr val="C00000"/>
                               </a:solidFill>
@@ -14394,7 +14381,7 @@
             </p:txBody>
           </p:sp>
         </mc:Choice>
-        <mc:Fallback>
+        <mc:Fallback xmlns="">
           <p:sp>
             <p:nvSpPr>
               <p:cNvPr id="6" name="TextBox 5">
@@ -14439,8 +14426,8 @@
           </p:sp>
         </mc:Fallback>
       </mc:AlternateContent>
-      <mc:AlternateContent xmlns:mc="http://schemas.openxmlformats.org/markup-compatibility/2006">
-        <mc:Choice xmlns:a14="http://schemas.microsoft.com/office/drawing/2010/main" Requires="a14">
+      <mc:AlternateContent xmlns:mc="http://schemas.openxmlformats.org/markup-compatibility/2006" xmlns:a14="http://schemas.microsoft.com/office/drawing/2010/main">
+        <mc:Choice Requires="a14">
           <p:sp>
             <p:nvSpPr>
               <p:cNvPr id="8" name="TextBox 7">
@@ -14879,7 +14866,7 @@
             </p:txBody>
           </p:sp>
         </mc:Choice>
-        <mc:Fallback>
+        <mc:Fallback xmlns="">
           <p:sp>
             <p:nvSpPr>
               <p:cNvPr id="8" name="TextBox 7">
@@ -14924,8 +14911,8 @@
           </p:sp>
         </mc:Fallback>
       </mc:AlternateContent>
-      <mc:AlternateContent xmlns:mc="http://schemas.openxmlformats.org/markup-compatibility/2006">
-        <mc:Choice xmlns:a14="http://schemas.microsoft.com/office/drawing/2010/main" Requires="a14">
+      <mc:AlternateContent xmlns:mc="http://schemas.openxmlformats.org/markup-compatibility/2006" xmlns:a14="http://schemas.microsoft.com/office/drawing/2010/main">
+        <mc:Choice Requires="a14">
           <p:sp>
             <p:nvSpPr>
               <p:cNvPr id="9" name="TextBox 8">
@@ -15184,7 +15171,7 @@
             </p:txBody>
           </p:sp>
         </mc:Choice>
-        <mc:Fallback>
+        <mc:Fallback xmlns="">
           <p:sp>
             <p:nvSpPr>
               <p:cNvPr id="9" name="TextBox 8">
@@ -15229,8 +15216,8 @@
           </p:sp>
         </mc:Fallback>
       </mc:AlternateContent>
-      <mc:AlternateContent xmlns:mc="http://schemas.openxmlformats.org/markup-compatibility/2006">
-        <mc:Choice xmlns:a14="http://schemas.microsoft.com/office/drawing/2010/main" Requires="a14">
+      <mc:AlternateContent xmlns:mc="http://schemas.openxmlformats.org/markup-compatibility/2006" xmlns:a14="http://schemas.microsoft.com/office/drawing/2010/main">
+        <mc:Choice Requires="a14">
           <p:sp>
             <p:nvSpPr>
               <p:cNvPr id="10" name="TextBox 9">
@@ -15399,7 +15386,7 @@
             </p:txBody>
           </p:sp>
         </mc:Choice>
-        <mc:Fallback>
+        <mc:Fallback xmlns="">
           <p:sp>
             <p:nvSpPr>
               <p:cNvPr id="10" name="TextBox 9">
@@ -15785,8 +15772,8 @@
           </a:p>
         </p:txBody>
       </p:sp>
-      <mc:AlternateContent xmlns:mc="http://schemas.openxmlformats.org/markup-compatibility/2006">
-        <mc:Choice xmlns:a14="http://schemas.microsoft.com/office/drawing/2010/main" Requires="a14">
+      <mc:AlternateContent xmlns:mc="http://schemas.openxmlformats.org/markup-compatibility/2006" xmlns:a14="http://schemas.microsoft.com/office/drawing/2010/main">
+        <mc:Choice Requires="a14">
           <p:sp>
             <p:nvSpPr>
               <p:cNvPr id="3" name="Content Placeholder 2">
@@ -15881,7 +15868,7 @@
             </p:txBody>
           </p:sp>
         </mc:Choice>
-        <mc:Fallback>
+        <mc:Fallback xmlns="">
           <p:sp>
             <p:nvSpPr>
               <p:cNvPr id="3" name="Content Placeholder 2">
@@ -15997,8 +15984,8 @@
           </a:prstGeom>
         </p:spPr>
       </p:pic>
-      <mc:AlternateContent xmlns:mc="http://schemas.openxmlformats.org/markup-compatibility/2006">
-        <mc:Choice xmlns:a14="http://schemas.microsoft.com/office/drawing/2010/main" Requires="a14">
+      <mc:AlternateContent xmlns:mc="http://schemas.openxmlformats.org/markup-compatibility/2006" xmlns:a14="http://schemas.microsoft.com/office/drawing/2010/main">
+        <mc:Choice Requires="a14">
           <p:sp>
             <p:nvSpPr>
               <p:cNvPr id="13" name="TextBox 12">
@@ -16051,7 +16038,7 @@
             </p:txBody>
           </p:sp>
         </mc:Choice>
-        <mc:Fallback>
+        <mc:Fallback xmlns="">
           <p:sp>
             <p:nvSpPr>
               <p:cNvPr id="13" name="TextBox 12">
@@ -16096,8 +16083,8 @@
           </p:sp>
         </mc:Fallback>
       </mc:AlternateContent>
-      <mc:AlternateContent xmlns:mc="http://schemas.openxmlformats.org/markup-compatibility/2006">
-        <mc:Choice xmlns:a14="http://schemas.microsoft.com/office/drawing/2010/main" Requires="a14">
+      <mc:AlternateContent xmlns:mc="http://schemas.openxmlformats.org/markup-compatibility/2006" xmlns:a14="http://schemas.microsoft.com/office/drawing/2010/main">
+        <mc:Choice Requires="a14">
           <p:sp>
             <p:nvSpPr>
               <p:cNvPr id="14" name="TextBox 13">
@@ -16150,7 +16137,7 @@
             </p:txBody>
           </p:sp>
         </mc:Choice>
-        <mc:Fallback>
+        <mc:Fallback xmlns="">
           <p:sp>
             <p:nvSpPr>
               <p:cNvPr id="14" name="TextBox 13">
@@ -16268,8 +16255,8 @@
           </a:p>
         </p:txBody>
       </p:sp>
-      <mc:AlternateContent xmlns:mc="http://schemas.openxmlformats.org/markup-compatibility/2006">
-        <mc:Choice xmlns:a14="http://schemas.microsoft.com/office/drawing/2010/main" Requires="a14">
+      <mc:AlternateContent xmlns:mc="http://schemas.openxmlformats.org/markup-compatibility/2006" xmlns:a14="http://schemas.microsoft.com/office/drawing/2010/main">
+        <mc:Choice Requires="a14">
           <p:sp>
             <p:nvSpPr>
               <p:cNvPr id="3" name="Content Placeholder 2">
@@ -16546,7 +16533,7 @@
             </p:txBody>
           </p:sp>
         </mc:Choice>
-        <mc:Fallback>
+        <mc:Fallback xmlns="">
           <p:sp>
             <p:nvSpPr>
               <p:cNvPr id="3" name="Content Placeholder 2">
@@ -16662,8 +16649,8 @@
           </a:prstGeom>
         </p:spPr>
       </p:pic>
-      <mc:AlternateContent xmlns:mc="http://schemas.openxmlformats.org/markup-compatibility/2006">
-        <mc:Choice xmlns:a14="http://schemas.microsoft.com/office/drawing/2010/main" Requires="a14">
+      <mc:AlternateContent xmlns:mc="http://schemas.openxmlformats.org/markup-compatibility/2006" xmlns:a14="http://schemas.microsoft.com/office/drawing/2010/main">
+        <mc:Choice Requires="a14">
           <p:sp>
             <p:nvSpPr>
               <p:cNvPr id="9" name="TextBox 8">
@@ -16775,7 +16762,7 @@
             </p:txBody>
           </p:sp>
         </mc:Choice>
-        <mc:Fallback>
+        <mc:Fallback xmlns="">
           <p:sp>
             <p:nvSpPr>
               <p:cNvPr id="9" name="TextBox 8">
@@ -16820,8 +16807,8 @@
           </p:sp>
         </mc:Fallback>
       </mc:AlternateContent>
-      <mc:AlternateContent xmlns:mc="http://schemas.openxmlformats.org/markup-compatibility/2006">
-        <mc:Choice xmlns:a14="http://schemas.microsoft.com/office/drawing/2010/main" Requires="a14">
+      <mc:AlternateContent xmlns:mc="http://schemas.openxmlformats.org/markup-compatibility/2006" xmlns:a14="http://schemas.microsoft.com/office/drawing/2010/main">
+        <mc:Choice Requires="a14">
           <p:sp>
             <p:nvSpPr>
               <p:cNvPr id="10" name="TextBox 9">
@@ -16901,7 +16888,7 @@
             </p:txBody>
           </p:sp>
         </mc:Choice>
-        <mc:Fallback>
+        <mc:Fallback xmlns="">
           <p:sp>
             <p:nvSpPr>
               <p:cNvPr id="10" name="TextBox 9">
@@ -16985,8 +16972,8 @@
           </a:fontRef>
         </p:style>
       </p:cxnSp>
-      <mc:AlternateContent xmlns:mc="http://schemas.openxmlformats.org/markup-compatibility/2006">
-        <mc:Choice xmlns:a14="http://schemas.microsoft.com/office/drawing/2010/main" Requires="a14">
+      <mc:AlternateContent xmlns:mc="http://schemas.openxmlformats.org/markup-compatibility/2006" xmlns:a14="http://schemas.microsoft.com/office/drawing/2010/main">
+        <mc:Choice Requires="a14">
           <p:sp>
             <p:nvSpPr>
               <p:cNvPr id="11" name="TextBox 10">
@@ -17039,7 +17026,7 @@
             </p:txBody>
           </p:sp>
         </mc:Choice>
-        <mc:Fallback>
+        <mc:Fallback xmlns="">
           <p:sp>
             <p:nvSpPr>
               <p:cNvPr id="11" name="TextBox 10">
@@ -17157,8 +17144,8 @@
           </a:p>
         </p:txBody>
       </p:sp>
-      <mc:AlternateContent xmlns:mc="http://schemas.openxmlformats.org/markup-compatibility/2006">
-        <mc:Choice xmlns:a14="http://schemas.microsoft.com/office/drawing/2010/main" Requires="a14">
+      <mc:AlternateContent xmlns:mc="http://schemas.openxmlformats.org/markup-compatibility/2006" xmlns:a14="http://schemas.microsoft.com/office/drawing/2010/main">
+        <mc:Choice Requires="a14">
           <p:sp>
             <p:nvSpPr>
               <p:cNvPr id="3" name="Content Placeholder 2">
@@ -17867,7 +17854,7 @@
             </p:txBody>
           </p:sp>
         </mc:Choice>
-        <mc:Fallback>
+        <mc:Fallback xmlns="">
           <p:sp>
             <p:nvSpPr>
               <p:cNvPr id="3" name="Content Placeholder 2">
@@ -17983,8 +17970,8 @@
           </a:prstGeom>
         </p:spPr>
       </p:pic>
-      <mc:AlternateContent xmlns:mc="http://schemas.openxmlformats.org/markup-compatibility/2006">
-        <mc:Choice xmlns:a14="http://schemas.microsoft.com/office/drawing/2010/main" Requires="a14">
+      <mc:AlternateContent xmlns:mc="http://schemas.openxmlformats.org/markup-compatibility/2006" xmlns:a14="http://schemas.microsoft.com/office/drawing/2010/main">
+        <mc:Choice Requires="a14">
           <p:sp>
             <p:nvSpPr>
               <p:cNvPr id="9" name="TextBox 8">
@@ -18096,7 +18083,7 @@
             </p:txBody>
           </p:sp>
         </mc:Choice>
-        <mc:Fallback>
+        <mc:Fallback xmlns="">
           <p:sp>
             <p:nvSpPr>
               <p:cNvPr id="9" name="TextBox 8">
@@ -18180,8 +18167,8 @@
           </a:fontRef>
         </p:style>
       </p:cxnSp>
-      <mc:AlternateContent xmlns:mc="http://schemas.openxmlformats.org/markup-compatibility/2006">
-        <mc:Choice xmlns:a14="http://schemas.microsoft.com/office/drawing/2010/main" Requires="a14">
+      <mc:AlternateContent xmlns:mc="http://schemas.openxmlformats.org/markup-compatibility/2006" xmlns:a14="http://schemas.microsoft.com/office/drawing/2010/main">
+        <mc:Choice Requires="a14">
           <p:sp>
             <p:nvSpPr>
               <p:cNvPr id="11" name="TextBox 10">
@@ -18237,7 +18224,7 @@
             </p:txBody>
           </p:sp>
         </mc:Choice>
-        <mc:Fallback>
+        <mc:Fallback xmlns="">
           <p:sp>
             <p:nvSpPr>
               <p:cNvPr id="11" name="TextBox 10">
@@ -18282,8 +18269,8 @@
           </p:sp>
         </mc:Fallback>
       </mc:AlternateContent>
-      <mc:AlternateContent xmlns:mc="http://schemas.openxmlformats.org/markup-compatibility/2006">
-        <mc:Choice xmlns:a14="http://schemas.microsoft.com/office/drawing/2010/main" Requires="a14">
+      <mc:AlternateContent xmlns:mc="http://schemas.openxmlformats.org/markup-compatibility/2006" xmlns:a14="http://schemas.microsoft.com/office/drawing/2010/main">
+        <mc:Choice Requires="a14">
           <p:sp>
             <p:nvSpPr>
               <p:cNvPr id="6" name="TextBox 5">
@@ -18363,7 +18350,7 @@
             </p:txBody>
           </p:sp>
         </mc:Choice>
-        <mc:Fallback>
+        <mc:Fallback xmlns="">
           <p:sp>
             <p:nvSpPr>
               <p:cNvPr id="6" name="TextBox 5">
@@ -18481,8 +18468,8 @@
           </a:p>
         </p:txBody>
       </p:sp>
-      <mc:AlternateContent xmlns:mc="http://schemas.openxmlformats.org/markup-compatibility/2006">
-        <mc:Choice xmlns:a14="http://schemas.microsoft.com/office/drawing/2010/main" Requires="a14">
+      <mc:AlternateContent xmlns:mc="http://schemas.openxmlformats.org/markup-compatibility/2006" xmlns:a14="http://schemas.microsoft.com/office/drawing/2010/main">
+        <mc:Choice Requires="a14">
           <p:sp>
             <p:nvSpPr>
               <p:cNvPr id="3" name="Content Placeholder 2">
@@ -19026,7 +19013,7 @@
             </p:txBody>
           </p:sp>
         </mc:Choice>
-        <mc:Fallback>
+        <mc:Fallback xmlns="">
           <p:sp>
             <p:nvSpPr>
               <p:cNvPr id="3" name="Content Placeholder 2">
@@ -19070,8 +19057,8 @@
           </p:sp>
         </mc:Fallback>
       </mc:AlternateContent>
-      <mc:AlternateContent xmlns:mc="http://schemas.openxmlformats.org/markup-compatibility/2006">
-        <mc:Choice xmlns:a14="http://schemas.microsoft.com/office/drawing/2010/main" Requires="a14">
+      <mc:AlternateContent xmlns:mc="http://schemas.openxmlformats.org/markup-compatibility/2006" xmlns:a14="http://schemas.microsoft.com/office/drawing/2010/main">
+        <mc:Choice Requires="a14">
           <p:sp>
             <p:nvSpPr>
               <p:cNvPr id="10" name="TextBox 9">
@@ -19403,7 +19390,7 @@
             </p:txBody>
           </p:sp>
         </mc:Choice>
-        <mc:Fallback>
+        <mc:Fallback xmlns="">
           <p:sp>
             <p:nvSpPr>
               <p:cNvPr id="10" name="TextBox 9">
@@ -19448,8 +19435,8 @@
           </p:sp>
         </mc:Fallback>
       </mc:AlternateContent>
-      <mc:AlternateContent xmlns:mc="http://schemas.openxmlformats.org/markup-compatibility/2006">
-        <mc:Choice xmlns:a14="http://schemas.microsoft.com/office/drawing/2010/main" Requires="a14">
+      <mc:AlternateContent xmlns:mc="http://schemas.openxmlformats.org/markup-compatibility/2006" xmlns:a14="http://schemas.microsoft.com/office/drawing/2010/main">
+        <mc:Choice Requires="a14">
           <p:sp>
             <p:nvSpPr>
               <p:cNvPr id="12" name="TextBox 11">
@@ -19867,7 +19854,7 @@
             </p:txBody>
           </p:sp>
         </mc:Choice>
-        <mc:Fallback>
+        <mc:Fallback xmlns="">
           <p:sp>
             <p:nvSpPr>
               <p:cNvPr id="12" name="TextBox 11">
@@ -19985,8 +19972,8 @@
           </a:p>
         </p:txBody>
       </p:sp>
-      <mc:AlternateContent xmlns:mc="http://schemas.openxmlformats.org/markup-compatibility/2006">
-        <mc:Choice xmlns:a14="http://schemas.microsoft.com/office/drawing/2010/main" Requires="a14">
+      <mc:AlternateContent xmlns:mc="http://schemas.openxmlformats.org/markup-compatibility/2006" xmlns:a14="http://schemas.microsoft.com/office/drawing/2010/main">
+        <mc:Choice Requires="a14">
           <p:sp>
             <p:nvSpPr>
               <p:cNvPr id="3" name="Content Placeholder 2">
@@ -20269,7 +20256,7 @@
             </p:txBody>
           </p:sp>
         </mc:Choice>
-        <mc:Fallback>
+        <mc:Fallback xmlns="">
           <p:sp>
             <p:nvSpPr>
               <p:cNvPr id="3" name="Content Placeholder 2">
@@ -20313,8 +20300,8 @@
           </p:sp>
         </mc:Fallback>
       </mc:AlternateContent>
-      <mc:AlternateContent xmlns:mc="http://schemas.openxmlformats.org/markup-compatibility/2006">
-        <mc:Choice xmlns:a14="http://schemas.microsoft.com/office/drawing/2010/main" Requires="a14">
+      <mc:AlternateContent xmlns:mc="http://schemas.openxmlformats.org/markup-compatibility/2006" xmlns:a14="http://schemas.microsoft.com/office/drawing/2010/main">
+        <mc:Choice Requires="a14">
           <p:sp>
             <p:nvSpPr>
               <p:cNvPr id="10" name="TextBox 9">
@@ -20646,7 +20633,7 @@
             </p:txBody>
           </p:sp>
         </mc:Choice>
-        <mc:Fallback>
+        <mc:Fallback xmlns="">
           <p:sp>
             <p:nvSpPr>
               <p:cNvPr id="10" name="TextBox 9">
@@ -20691,8 +20678,8 @@
           </p:sp>
         </mc:Fallback>
       </mc:AlternateContent>
-      <mc:AlternateContent xmlns:mc="http://schemas.openxmlformats.org/markup-compatibility/2006">
-        <mc:Choice xmlns:a14="http://schemas.microsoft.com/office/drawing/2010/main" Requires="a14">
+      <mc:AlternateContent xmlns:mc="http://schemas.openxmlformats.org/markup-compatibility/2006" xmlns:a14="http://schemas.microsoft.com/office/drawing/2010/main">
+        <mc:Choice Requires="a14">
           <p:sp>
             <p:nvSpPr>
               <p:cNvPr id="12" name="TextBox 11">
@@ -21110,7 +21097,7 @@
             </p:txBody>
           </p:sp>
         </mc:Choice>
-        <mc:Fallback>
+        <mc:Fallback xmlns="">
           <p:sp>
             <p:nvSpPr>
               <p:cNvPr id="12" name="TextBox 11">
@@ -21155,8 +21142,8 @@
           </p:sp>
         </mc:Fallback>
       </mc:AlternateContent>
-      <mc:AlternateContent xmlns:mc="http://schemas.openxmlformats.org/markup-compatibility/2006">
-        <mc:Choice xmlns:a14="http://schemas.microsoft.com/office/drawing/2010/main" Requires="a14">
+      <mc:AlternateContent xmlns:mc="http://schemas.openxmlformats.org/markup-compatibility/2006" xmlns:a14="http://schemas.microsoft.com/office/drawing/2010/main">
+        <mc:Choice Requires="a14">
           <p:sp>
             <p:nvSpPr>
               <p:cNvPr id="4" name="TextBox 3">
@@ -21378,7 +21365,7 @@
             </p:txBody>
           </p:sp>
         </mc:Choice>
-        <mc:Fallback>
+        <mc:Fallback xmlns="">
           <p:sp>
             <p:nvSpPr>
               <p:cNvPr id="4" name="TextBox 3">
@@ -21496,8 +21483,8 @@
           </a:p>
         </p:txBody>
       </p:sp>
-      <mc:AlternateContent xmlns:mc="http://schemas.openxmlformats.org/markup-compatibility/2006">
-        <mc:Choice xmlns:a14="http://schemas.microsoft.com/office/drawing/2010/main" Requires="a14">
+      <mc:AlternateContent xmlns:mc="http://schemas.openxmlformats.org/markup-compatibility/2006" xmlns:a14="http://schemas.microsoft.com/office/drawing/2010/main">
+        <mc:Choice Requires="a14">
           <p:sp>
             <p:nvSpPr>
               <p:cNvPr id="3" name="Content Placeholder 2">
@@ -21756,7 +21743,7 @@
             </p:txBody>
           </p:sp>
         </mc:Choice>
-        <mc:Fallback>
+        <mc:Fallback xmlns="">
           <p:sp>
             <p:nvSpPr>
               <p:cNvPr id="3" name="Content Placeholder 2">
@@ -21873,8 +21860,8 @@
           </a:p>
         </p:txBody>
       </p:sp>
-      <mc:AlternateContent xmlns:mc="http://schemas.openxmlformats.org/markup-compatibility/2006">
-        <mc:Choice xmlns:a14="http://schemas.microsoft.com/office/drawing/2010/main" Requires="a14">
+      <mc:AlternateContent xmlns:mc="http://schemas.openxmlformats.org/markup-compatibility/2006" xmlns:a14="http://schemas.microsoft.com/office/drawing/2010/main">
+        <mc:Choice Requires="a14">
           <p:sp>
             <p:nvSpPr>
               <p:cNvPr id="3" name="Content Placeholder 2">
@@ -22121,7 +22108,7 @@
             </p:txBody>
           </p:sp>
         </mc:Choice>
-        <mc:Fallback>
+        <mc:Fallback xmlns="">
           <p:sp>
             <p:nvSpPr>
               <p:cNvPr id="3" name="Content Placeholder 2">
@@ -22238,8 +22225,8 @@
           </a:p>
         </p:txBody>
       </p:sp>
-      <mc:AlternateContent xmlns:mc="http://schemas.openxmlformats.org/markup-compatibility/2006">
-        <mc:Choice xmlns:a14="http://schemas.microsoft.com/office/drawing/2010/main" Requires="a14">
+      <mc:AlternateContent xmlns:mc="http://schemas.openxmlformats.org/markup-compatibility/2006" xmlns:a14="http://schemas.microsoft.com/office/drawing/2010/main">
+        <mc:Choice Requires="a14">
           <p:sp>
             <p:nvSpPr>
               <p:cNvPr id="3" name="Content Placeholder 2">
@@ -22436,7 +22423,7 @@
             </p:txBody>
           </p:sp>
         </mc:Choice>
-        <mc:Fallback>
+        <mc:Fallback xmlns="">
           <p:sp>
             <p:nvSpPr>
               <p:cNvPr id="3" name="Content Placeholder 2">
@@ -22553,8 +22540,8 @@
           </a:p>
         </p:txBody>
       </p:sp>
-      <mc:AlternateContent xmlns:mc="http://schemas.openxmlformats.org/markup-compatibility/2006">
-        <mc:Choice xmlns:a14="http://schemas.microsoft.com/office/drawing/2010/main" Requires="a14">
+      <mc:AlternateContent xmlns:mc="http://schemas.openxmlformats.org/markup-compatibility/2006" xmlns:a14="http://schemas.microsoft.com/office/drawing/2010/main">
+        <mc:Choice Requires="a14">
           <p:sp>
             <p:nvSpPr>
               <p:cNvPr id="3" name="Content Placeholder 2">
@@ -23163,7 +23150,7 @@
             </p:txBody>
           </p:sp>
         </mc:Choice>
-        <mc:Fallback>
+        <mc:Fallback xmlns="">
           <p:sp>
             <p:nvSpPr>
               <p:cNvPr id="3" name="Content Placeholder 2">
@@ -23274,8 +23261,8 @@
           </a:p>
         </p:txBody>
       </p:sp>
-      <mc:AlternateContent xmlns:mc="http://schemas.openxmlformats.org/markup-compatibility/2006">
-        <mc:Choice xmlns:a14="http://schemas.microsoft.com/office/drawing/2010/main" Requires="a14">
+      <mc:AlternateContent xmlns:mc="http://schemas.openxmlformats.org/markup-compatibility/2006" xmlns:a14="http://schemas.microsoft.com/office/drawing/2010/main">
+        <mc:Choice Requires="a14">
           <p:sp>
             <p:nvSpPr>
               <p:cNvPr id="3" name="Content Placeholder 2">
@@ -23573,7 +23560,7 @@
             </p:txBody>
           </p:sp>
         </mc:Choice>
-        <mc:Fallback>
+        <mc:Fallback xmlns="">
           <p:sp>
             <p:nvSpPr>
               <p:cNvPr id="3" name="Content Placeholder 2">
@@ -23690,8 +23677,8 @@
           </a:p>
         </p:txBody>
       </p:sp>
-      <mc:AlternateContent xmlns:mc="http://schemas.openxmlformats.org/markup-compatibility/2006">
-        <mc:Choice xmlns:a14="http://schemas.microsoft.com/office/drawing/2010/main" Requires="a14">
+      <mc:AlternateContent xmlns:mc="http://schemas.openxmlformats.org/markup-compatibility/2006" xmlns:a14="http://schemas.microsoft.com/office/drawing/2010/main">
+        <mc:Choice Requires="a14">
           <p:sp>
             <p:nvSpPr>
               <p:cNvPr id="3" name="Content Placeholder 2">
@@ -23950,7 +23937,7 @@
             </p:txBody>
           </p:sp>
         </mc:Choice>
-        <mc:Fallback>
+        <mc:Fallback xmlns="">
           <p:sp>
             <p:nvSpPr>
               <p:cNvPr id="3" name="Content Placeholder 2">
@@ -24067,8 +24054,8 @@
           </a:p>
         </p:txBody>
       </p:sp>
-      <mc:AlternateContent xmlns:mc="http://schemas.openxmlformats.org/markup-compatibility/2006">
-        <mc:Choice xmlns:a14="http://schemas.microsoft.com/office/drawing/2010/main" Requires="a14">
+      <mc:AlternateContent xmlns:mc="http://schemas.openxmlformats.org/markup-compatibility/2006" xmlns:a14="http://schemas.microsoft.com/office/drawing/2010/main">
+        <mc:Choice Requires="a14">
           <p:sp>
             <p:nvSpPr>
               <p:cNvPr id="3" name="Content Placeholder 2">
@@ -24376,7 +24363,7 @@
                     <m:d>
                       <m:dPr>
                         <m:ctrlPr>
-                          <a:rPr lang="en-US" sz="3200" b="0" i="0" smtClean="0">
+                          <a:rPr lang="en-US" sz="3200" b="0" i="1" smtClean="0">
                             <a:solidFill>
                               <a:srgbClr val="C00000"/>
                             </a:solidFill>
@@ -24862,7 +24849,7 @@
             </p:txBody>
           </p:sp>
         </mc:Choice>
-        <mc:Fallback>
+        <mc:Fallback xmlns="">
           <p:sp>
             <p:nvSpPr>
               <p:cNvPr id="3" name="Content Placeholder 2">
@@ -24979,8 +24966,8 @@
           </a:p>
         </p:txBody>
       </p:sp>
-      <mc:AlternateContent xmlns:mc="http://schemas.openxmlformats.org/markup-compatibility/2006">
-        <mc:Choice xmlns:a14="http://schemas.microsoft.com/office/drawing/2010/main" Requires="a14">
+      <mc:AlternateContent xmlns:mc="http://schemas.openxmlformats.org/markup-compatibility/2006" xmlns:a14="http://schemas.microsoft.com/office/drawing/2010/main">
+        <mc:Choice Requires="a14">
           <p:sp>
             <p:nvSpPr>
               <p:cNvPr id="3" name="Content Placeholder 2">
@@ -25274,7 +25261,7 @@
             </p:txBody>
           </p:sp>
         </mc:Choice>
-        <mc:Fallback>
+        <mc:Fallback xmlns="">
           <p:sp>
             <p:nvSpPr>
               <p:cNvPr id="3" name="Content Placeholder 2">
@@ -25391,8 +25378,8 @@
           </a:p>
         </p:txBody>
       </p:sp>
-      <mc:AlternateContent xmlns:mc="http://schemas.openxmlformats.org/markup-compatibility/2006">
-        <mc:Choice xmlns:a14="http://schemas.microsoft.com/office/drawing/2010/main" Requires="a14">
+      <mc:AlternateContent xmlns:mc="http://schemas.openxmlformats.org/markup-compatibility/2006" xmlns:a14="http://schemas.microsoft.com/office/drawing/2010/main">
+        <mc:Choice Requires="a14">
           <p:sp>
             <p:nvSpPr>
               <p:cNvPr id="3" name="Content Placeholder 2">
@@ -26176,7 +26163,7 @@
             </p:txBody>
           </p:sp>
         </mc:Choice>
-        <mc:Fallback>
+        <mc:Fallback xmlns="">
           <p:sp>
             <p:nvSpPr>
               <p:cNvPr id="3" name="Content Placeholder 2">
@@ -26622,6 +26609,110 @@
                     <a:schemeClr val="tx1"/>
                   </a:buClr>
                 </a:pPr>
+                <a:r>
+                  <a:rPr lang="en-US" sz="3200" dirty="0"/>
+                  <a:t>Conditioning can only decrease entropy: </a:t>
+                </a:r>
+                <a14:m>
+                  <m:oMath xmlns:m="http://schemas.openxmlformats.org/officeDocument/2006/math">
+                    <m:r>
+                      <a:rPr lang="en-US" sz="3200" b="0" i="1" smtClean="0">
+                        <a:solidFill>
+                          <a:srgbClr val="C00000"/>
+                        </a:solidFill>
+                        <a:latin typeface="Cambria Math" panose="02040503050406030204" pitchFamily="18" charset="0"/>
+                      </a:rPr>
+                      <m:t>𝐻</m:t>
+                    </m:r>
+                    <m:d>
+                      <m:dPr>
+                        <m:ctrlPr>
+                          <a:rPr lang="en-US" sz="3200" b="0" i="1" smtClean="0">
+                            <a:solidFill>
+                              <a:srgbClr val="C00000"/>
+                            </a:solidFill>
+                            <a:latin typeface="Cambria Math" panose="02040503050406030204" pitchFamily="18" charset="0"/>
+                          </a:rPr>
+                        </m:ctrlPr>
+                      </m:dPr>
+                      <m:e>
+                        <m:r>
+                          <a:rPr lang="en-US" sz="3200" b="0" i="1" smtClean="0">
+                            <a:solidFill>
+                              <a:srgbClr val="C00000"/>
+                            </a:solidFill>
+                            <a:latin typeface="Cambria Math" panose="02040503050406030204" pitchFamily="18" charset="0"/>
+                          </a:rPr>
+                          <m:t>𝑋</m:t>
+                        </m:r>
+                      </m:e>
+                      <m:e>
+                        <m:r>
+                          <a:rPr lang="en-US" sz="3200" b="0" i="1" smtClean="0">
+                            <a:solidFill>
+                              <a:srgbClr val="C00000"/>
+                            </a:solidFill>
+                            <a:latin typeface="Cambria Math" panose="02040503050406030204" pitchFamily="18" charset="0"/>
+                          </a:rPr>
+                          <m:t>𝑌</m:t>
+                        </m:r>
+                      </m:e>
+                    </m:d>
+                    <m:r>
+                      <a:rPr lang="en-US" sz="3200" b="0" i="1" smtClean="0">
+                        <a:solidFill>
+                          <a:srgbClr val="C00000"/>
+                        </a:solidFill>
+                        <a:latin typeface="Cambria Math" panose="02040503050406030204" pitchFamily="18" charset="0"/>
+                      </a:rPr>
+                      <m:t>≤</m:t>
+                    </m:r>
+                    <m:r>
+                      <a:rPr lang="en-US" sz="3200" b="0" i="1" smtClean="0">
+                        <a:solidFill>
+                          <a:srgbClr val="C00000"/>
+                        </a:solidFill>
+                        <a:latin typeface="Cambria Math" panose="02040503050406030204" pitchFamily="18" charset="0"/>
+                      </a:rPr>
+                      <m:t>𝐻</m:t>
+                    </m:r>
+                    <m:r>
+                      <a:rPr lang="en-US" sz="3200" b="0" i="1" smtClean="0">
+                        <a:solidFill>
+                          <a:srgbClr val="C00000"/>
+                        </a:solidFill>
+                        <a:latin typeface="Cambria Math" panose="02040503050406030204" pitchFamily="18" charset="0"/>
+                      </a:rPr>
+                      <m:t>(</m:t>
+                    </m:r>
+                    <m:r>
+                      <a:rPr lang="en-US" sz="3200" b="0" i="1" smtClean="0">
+                        <a:solidFill>
+                          <a:srgbClr val="C00000"/>
+                        </a:solidFill>
+                        <a:latin typeface="Cambria Math" panose="02040503050406030204" pitchFamily="18" charset="0"/>
+                      </a:rPr>
+                      <m:t>𝑋</m:t>
+                    </m:r>
+                    <m:r>
+                      <a:rPr lang="en-US" sz="3200" b="0" i="1" smtClean="0">
+                        <a:solidFill>
+                          <a:srgbClr val="C00000"/>
+                        </a:solidFill>
+                        <a:latin typeface="Cambria Math" panose="02040503050406030204" pitchFamily="18" charset="0"/>
+                      </a:rPr>
+                      <m:t>)</m:t>
+                    </m:r>
+                  </m:oMath>
+                </a14:m>
+                <a:endParaRPr lang="en-US" sz="3200" dirty="0"/>
+              </a:p>
+              <a:p>
+                <a:pPr>
+                  <a:buClr>
+                    <a:schemeClr val="tx1"/>
+                  </a:buClr>
+                </a:pPr>
                 <a:endParaRPr lang="en-US" sz="3200" dirty="0"/>
               </a:p>
               <a:p>
@@ -26698,7 +26789,7 @@
             </p:nvSpPr>
             <p:spPr>
               <a:xfrm>
-                <a:off x="1811323" y="4691549"/>
+                <a:off x="1735822" y="5403039"/>
                 <a:ext cx="10268824" cy="845360"/>
               </a:xfrm>
               <a:prstGeom prst="rect">
@@ -27198,7 +27289,7 @@
             </p:nvSpPr>
             <p:spPr>
               <a:xfrm>
-                <a:off x="1811323" y="4691549"/>
+                <a:off x="1735822" y="5403039"/>
                 <a:ext cx="10268824" cy="845360"/>
               </a:xfrm>
               <a:prstGeom prst="rect">
@@ -27299,8 +27390,8 @@
           </a:p>
         </p:txBody>
       </p:sp>
-      <mc:AlternateContent xmlns:mc="http://schemas.openxmlformats.org/markup-compatibility/2006">
-        <mc:Choice xmlns:a14="http://schemas.microsoft.com/office/drawing/2010/main" Requires="a14">
+      <mc:AlternateContent xmlns:mc="http://schemas.openxmlformats.org/markup-compatibility/2006" xmlns:a14="http://schemas.microsoft.com/office/drawing/2010/main">
+        <mc:Choice Requires="a14">
           <p:sp>
             <p:nvSpPr>
               <p:cNvPr id="3" name="Content Placeholder 2">
@@ -27516,7 +27607,7 @@
             </p:txBody>
           </p:sp>
         </mc:Choice>
-        <mc:Fallback>
+        <mc:Fallback xmlns="">
           <p:sp>
             <p:nvSpPr>
               <p:cNvPr id="3" name="Content Placeholder 2">
@@ -27560,8 +27651,8 @@
           </p:sp>
         </mc:Fallback>
       </mc:AlternateContent>
-      <mc:AlternateContent xmlns:mc="http://schemas.openxmlformats.org/markup-compatibility/2006">
-        <mc:Choice xmlns:a14="http://schemas.microsoft.com/office/drawing/2010/main" Requires="a14">
+      <mc:AlternateContent xmlns:mc="http://schemas.openxmlformats.org/markup-compatibility/2006" xmlns:a14="http://schemas.microsoft.com/office/drawing/2010/main">
+        <mc:Choice Requires="a14">
           <p:sp>
             <p:nvSpPr>
               <p:cNvPr id="8" name="TextBox 7">
@@ -28069,7 +28160,7 @@
             </p:txBody>
           </p:sp>
         </mc:Choice>
-        <mc:Fallback>
+        <mc:Fallback xmlns="">
           <p:sp>
             <p:nvSpPr>
               <p:cNvPr id="8" name="TextBox 7">
@@ -28114,8 +28205,8 @@
           </p:sp>
         </mc:Fallback>
       </mc:AlternateContent>
-      <mc:AlternateContent xmlns:mc="http://schemas.openxmlformats.org/markup-compatibility/2006">
-        <mc:Choice xmlns:a14="http://schemas.microsoft.com/office/drawing/2010/main" Requires="a14">
+      <mc:AlternateContent xmlns:mc="http://schemas.openxmlformats.org/markup-compatibility/2006" xmlns:a14="http://schemas.microsoft.com/office/drawing/2010/main">
+        <mc:Choice Requires="a14">
           <p:sp>
             <p:nvSpPr>
               <p:cNvPr id="10" name="TextBox 9">
@@ -28630,7 +28721,7 @@
             </p:txBody>
           </p:sp>
         </mc:Choice>
-        <mc:Fallback>
+        <mc:Fallback xmlns="">
           <p:sp>
             <p:nvSpPr>
               <p:cNvPr id="10" name="TextBox 9">
@@ -28675,8 +28766,8 @@
           </p:sp>
         </mc:Fallback>
       </mc:AlternateContent>
-      <mc:AlternateContent xmlns:mc="http://schemas.openxmlformats.org/markup-compatibility/2006">
-        <mc:Choice xmlns:a14="http://schemas.microsoft.com/office/drawing/2010/main" Requires="a14">
+      <mc:AlternateContent xmlns:mc="http://schemas.openxmlformats.org/markup-compatibility/2006" xmlns:a14="http://schemas.microsoft.com/office/drawing/2010/main">
+        <mc:Choice Requires="a14">
           <p:sp>
             <p:nvSpPr>
               <p:cNvPr id="13" name="TextBox 12">
@@ -29243,7 +29334,7 @@
             </p:txBody>
           </p:sp>
         </mc:Choice>
-        <mc:Fallback>
+        <mc:Fallback xmlns="">
           <p:sp>
             <p:nvSpPr>
               <p:cNvPr id="13" name="TextBox 12">
@@ -29361,8 +29452,8 @@
           </a:p>
         </p:txBody>
       </p:sp>
-      <mc:AlternateContent xmlns:mc="http://schemas.openxmlformats.org/markup-compatibility/2006">
-        <mc:Choice xmlns:a14="http://schemas.microsoft.com/office/drawing/2010/main" Requires="a14">
+      <mc:AlternateContent xmlns:mc="http://schemas.openxmlformats.org/markup-compatibility/2006" xmlns:a14="http://schemas.microsoft.com/office/drawing/2010/main">
+        <mc:Choice Requires="a14">
           <p:sp>
             <p:nvSpPr>
               <p:cNvPr id="3" name="Content Placeholder 2">
@@ -29985,7 +30076,7 @@
             </p:txBody>
           </p:sp>
         </mc:Choice>
-        <mc:Fallback>
+        <mc:Fallback xmlns="">
           <p:sp>
             <p:nvSpPr>
               <p:cNvPr id="3" name="Content Placeholder 2">
